--- a/aina-getting-started-accountants.pptx
+++ b/aina-getting-started-accountants.pptx
@@ -1840,7 +1840,7 @@
           <a:p>
             <a:fld id="{503F064B-41F2-4661-BDF0-BFD135E9A557}" type="datetimeFigureOut">
               <a:rPr lang="en-US" smtClean="0"/>
-              <a:t>10/23/2021</a:t>
+              <a:t>11/5/2021</a:t>
             </a:fld>
             <a:endParaRPr lang="en-US"/>
           </a:p>
@@ -2153,16 +2153,25 @@
           <a:p>
             <a:r>
               <a:rPr lang="en-US" dirty="0"/>
-              <a:t>If you’d like to follow along with the presentation, all resources are available at this link.</a:t>
-            </a:r>
-          </a:p>
-          <a:p>
-            <a:endParaRPr lang="en-US" dirty="0"/>
+              <a:t>Managerial</a:t>
+            </a:r>
           </a:p>
           <a:p>
             <a:r>
               <a:rPr lang="en-US" dirty="0"/>
-              <a:t>I also wanted to give a shout-out to Alan Turing, born on this day in 1912. </a:t>
+              <a:t>Audit</a:t>
+            </a:r>
+          </a:p>
+          <a:p>
+            <a:r>
+              <a:rPr lang="en-US" dirty="0"/>
+              <a:t>Tax</a:t>
+            </a:r>
+          </a:p>
+          <a:p>
+            <a:r>
+              <a:rPr lang="en-US" dirty="0"/>
+              <a:t>Something else</a:t>
             </a:r>
           </a:p>
         </p:txBody>
@@ -2182,9 +2191,9 @@
           <a:bodyPr/>
           <a:lstStyle/>
           <a:p>
-            <a:fld id="{3BB66621-ADCC-4EF8-8003-B9D3E881DCD2}" type="slidenum">
+            <a:fld id="{F9DB3DAC-CD90-4DD2-80B1-E135CFB4F8DD}" type="slidenum">
               <a:rPr lang="en-US" smtClean="0"/>
-              <a:t>5</a:t>
+              <a:t>3</a:t>
             </a:fld>
             <a:endParaRPr lang="en-US"/>
           </a:p>
@@ -2193,7 +2202,7 @@
     </p:spTree>
     <p:extLst>
       <p:ext uri="{BB962C8B-B14F-4D97-AF65-F5344CB8AC3E}">
-        <p14:creationId xmlns:p14="http://schemas.microsoft.com/office/powerpoint/2010/main" val="2213468204"/>
+        <p14:creationId xmlns:p14="http://schemas.microsoft.com/office/powerpoint/2010/main" val="81131598"/>
       </p:ext>
     </p:extLst>
   </p:cSld>
@@ -2249,14 +2258,17 @@
           <a:p>
             <a:r>
               <a:rPr lang="en-US" dirty="0"/>
-              <a:t>Now this figure comes from my book and it’s a very broad conceptualization of the various slices of the stack. You know we hear engineers or web developers talk about being “full stack” all the time but it’s not so common an expression as it could be. </a:t>
+              <a:t>If you’d like to follow along with the presentation, all resources are available at this link.</a:t>
             </a:r>
           </a:p>
           <a:p>
             <a:endParaRPr lang="en-US" dirty="0"/>
           </a:p>
           <a:p>
-            <a:endParaRPr lang="en-US" dirty="0"/>
+            <a:r>
+              <a:rPr lang="en-US" dirty="0"/>
+              <a:t>I also wanted to give a shout-out to Alan Turing, born on this day in 1912. </a:t>
+            </a:r>
           </a:p>
         </p:txBody>
       </p:sp>
@@ -2277,7 +2289,7 @@
           <a:p>
             <a:fld id="{3BB66621-ADCC-4EF8-8003-B9D3E881DCD2}" type="slidenum">
               <a:rPr lang="en-US" smtClean="0"/>
-              <a:t>7</a:t>
+              <a:t>5</a:t>
             </a:fld>
             <a:endParaRPr lang="en-US"/>
           </a:p>
@@ -2286,7 +2298,7 @@
     </p:spTree>
     <p:extLst>
       <p:ext uri="{BB962C8B-B14F-4D97-AF65-F5344CB8AC3E}">
-        <p14:creationId xmlns:p14="http://schemas.microsoft.com/office/powerpoint/2010/main" val="4029739640"/>
+        <p14:creationId xmlns:p14="http://schemas.microsoft.com/office/powerpoint/2010/main" val="2213468204"/>
       </p:ext>
     </p:extLst>
   </p:cSld>
@@ -2342,6 +2354,99 @@
           <a:p>
             <a:r>
               <a:rPr lang="en-US" dirty="0"/>
+              <a:t>Now this figure comes from my book and it’s a very broad conceptualization of the various slices of the stack. You know we hear engineers or web developers talk about being “full stack” all the time but it’s not so common an expression as it could be. </a:t>
+            </a:r>
+          </a:p>
+          <a:p>
+            <a:endParaRPr lang="en-US" dirty="0"/>
+          </a:p>
+          <a:p>
+            <a:endParaRPr lang="en-US" dirty="0"/>
+          </a:p>
+        </p:txBody>
+      </p:sp>
+      <p:sp>
+        <p:nvSpPr>
+          <p:cNvPr id="4" name="Slide Number Placeholder 3"/>
+          <p:cNvSpPr>
+            <a:spLocks noGrp="1"/>
+          </p:cNvSpPr>
+          <p:nvPr>
+            <p:ph type="sldNum" sz="quarter" idx="5"/>
+          </p:nvPr>
+        </p:nvSpPr>
+        <p:spPr/>
+        <p:txBody>
+          <a:bodyPr/>
+          <a:lstStyle/>
+          <a:p>
+            <a:fld id="{3BB66621-ADCC-4EF8-8003-B9D3E881DCD2}" type="slidenum">
+              <a:rPr lang="en-US" smtClean="0"/>
+              <a:t>7</a:t>
+            </a:fld>
+            <a:endParaRPr lang="en-US"/>
+          </a:p>
+        </p:txBody>
+      </p:sp>
+    </p:spTree>
+    <p:extLst>
+      <p:ext uri="{BB962C8B-B14F-4D97-AF65-F5344CB8AC3E}">
+        <p14:creationId xmlns:p14="http://schemas.microsoft.com/office/powerpoint/2010/main" val="4029739640"/>
+      </p:ext>
+    </p:extLst>
+  </p:cSld>
+  <p:clrMapOvr>
+    <a:masterClrMapping/>
+  </p:clrMapOvr>
+</p:notes>
+</file>
+
+<file path=ppt/notesSlides/notesSlide4.xml><?xml version="1.0" encoding="utf-8"?>
+<p:notes xmlns:a="http://schemas.openxmlformats.org/drawingml/2006/main" xmlns:r="http://schemas.openxmlformats.org/officeDocument/2006/relationships" xmlns:p="http://schemas.openxmlformats.org/presentationml/2006/main">
+  <p:cSld>
+    <p:spTree>
+      <p:nvGrpSpPr>
+        <p:cNvPr id="1" name=""/>
+        <p:cNvGrpSpPr/>
+        <p:nvPr/>
+      </p:nvGrpSpPr>
+      <p:grpSpPr>
+        <a:xfrm>
+          <a:off x="0" y="0"/>
+          <a:ext cx="0" cy="0"/>
+          <a:chOff x="0" y="0"/>
+          <a:chExt cx="0" cy="0"/>
+        </a:xfrm>
+      </p:grpSpPr>
+      <p:sp>
+        <p:nvSpPr>
+          <p:cNvPr id="2" name="Slide Image Placeholder 1"/>
+          <p:cNvSpPr>
+            <a:spLocks noGrp="1" noRot="1" noChangeAspect="1"/>
+          </p:cNvSpPr>
+          <p:nvPr>
+            <p:ph type="sldImg"/>
+          </p:nvPr>
+        </p:nvSpPr>
+        <p:spPr/>
+      </p:sp>
+      <p:sp>
+        <p:nvSpPr>
+          <p:cNvPr id="3" name="Notes Placeholder 2"/>
+          <p:cNvSpPr>
+            <a:spLocks noGrp="1"/>
+          </p:cNvSpPr>
+          <p:nvPr>
+            <p:ph type="body" idx="1"/>
+          </p:nvPr>
+        </p:nvSpPr>
+        <p:spPr/>
+        <p:txBody>
+          <a:bodyPr/>
+          <a:lstStyle/>
+          <a:p>
+            <a:r>
+              <a:rPr lang="en-US" dirty="0"/>
               <a:t>OK so now you will see R’s equivalent to some of those features you saw with Python. I think that for different reasons Python seems to be taking the lead on Excel automation, but R has some pretty robust features and in some ways are richer than Python’s. </a:t>
             </a:r>
           </a:p>
@@ -2383,7 +2488,7 @@
 </p:notes>
 </file>
 
-<file path=ppt/notesSlides/notesSlide4.xml><?xml version="1.0" encoding="utf-8"?>
+<file path=ppt/notesSlides/notesSlide5.xml><?xml version="1.0" encoding="utf-8"?>
 <p:notes xmlns:a="http://schemas.openxmlformats.org/drawingml/2006/main" xmlns:r="http://schemas.openxmlformats.org/officeDocument/2006/relationships" xmlns:p="http://schemas.openxmlformats.org/presentationml/2006/main">
   <p:cSld>
     <p:spTree>
@@ -2628,7 +2733,7 @@
           <a:p>
             <a:fld id="{0138B082-EFC2-46C1-B47C-51736C670379}" type="datetimeFigureOut">
               <a:rPr lang="en-US" smtClean="0"/>
-              <a:t>10/23/2021</a:t>
+              <a:t>11/5/2021</a:t>
             </a:fld>
             <a:endParaRPr lang="en-US"/>
           </a:p>
@@ -2796,7 +2901,7 @@
           <a:p>
             <a:fld id="{0138B082-EFC2-46C1-B47C-51736C670379}" type="datetimeFigureOut">
               <a:rPr lang="en-US" smtClean="0"/>
-              <a:t>10/23/2021</a:t>
+              <a:t>11/5/2021</a:t>
             </a:fld>
             <a:endParaRPr lang="en-US"/>
           </a:p>
@@ -2974,7 +3079,7 @@
           <a:p>
             <a:fld id="{0138B082-EFC2-46C1-B47C-51736C670379}" type="datetimeFigureOut">
               <a:rPr lang="en-US" smtClean="0"/>
-              <a:t>10/23/2021</a:t>
+              <a:t>11/5/2021</a:t>
             </a:fld>
             <a:endParaRPr lang="en-US"/>
           </a:p>
@@ -3142,7 +3247,7 @@
           <a:p>
             <a:fld id="{0138B082-EFC2-46C1-B47C-51736C670379}" type="datetimeFigureOut">
               <a:rPr lang="en-US" smtClean="0"/>
-              <a:t>10/23/2021</a:t>
+              <a:t>11/5/2021</a:t>
             </a:fld>
             <a:endParaRPr lang="en-US"/>
           </a:p>
@@ -3387,7 +3492,7 @@
           <a:p>
             <a:fld id="{0138B082-EFC2-46C1-B47C-51736C670379}" type="datetimeFigureOut">
               <a:rPr lang="en-US" smtClean="0"/>
-              <a:t>10/23/2021</a:t>
+              <a:t>11/5/2021</a:t>
             </a:fld>
             <a:endParaRPr lang="en-US"/>
           </a:p>
@@ -3616,7 +3721,7 @@
           <a:p>
             <a:fld id="{0138B082-EFC2-46C1-B47C-51736C670379}" type="datetimeFigureOut">
               <a:rPr lang="en-US" smtClean="0"/>
-              <a:t>10/23/2021</a:t>
+              <a:t>11/5/2021</a:t>
             </a:fld>
             <a:endParaRPr lang="en-US"/>
           </a:p>
@@ -3980,7 +4085,7 @@
           <a:p>
             <a:fld id="{0138B082-EFC2-46C1-B47C-51736C670379}" type="datetimeFigureOut">
               <a:rPr lang="en-US" smtClean="0"/>
-              <a:t>10/23/2021</a:t>
+              <a:t>11/5/2021</a:t>
             </a:fld>
             <a:endParaRPr lang="en-US"/>
           </a:p>
@@ -4097,7 +4202,7 @@
           <a:p>
             <a:fld id="{0138B082-EFC2-46C1-B47C-51736C670379}" type="datetimeFigureOut">
               <a:rPr lang="en-US" smtClean="0"/>
-              <a:t>10/23/2021</a:t>
+              <a:t>11/5/2021</a:t>
             </a:fld>
             <a:endParaRPr lang="en-US"/>
           </a:p>
@@ -4192,7 +4297,7 @@
           <a:p>
             <a:fld id="{0138B082-EFC2-46C1-B47C-51736C670379}" type="datetimeFigureOut">
               <a:rPr lang="en-US" smtClean="0"/>
-              <a:t>10/23/2021</a:t>
+              <a:t>11/5/2021</a:t>
             </a:fld>
             <a:endParaRPr lang="en-US"/>
           </a:p>
@@ -4467,7 +4572,7 @@
           <a:p>
             <a:fld id="{0138B082-EFC2-46C1-B47C-51736C670379}" type="datetimeFigureOut">
               <a:rPr lang="en-US" smtClean="0"/>
-              <a:t>10/23/2021</a:t>
+              <a:t>11/5/2021</a:t>
             </a:fld>
             <a:endParaRPr lang="en-US"/>
           </a:p>
@@ -4719,7 +4824,7 @@
           <a:p>
             <a:fld id="{0138B082-EFC2-46C1-B47C-51736C670379}" type="datetimeFigureOut">
               <a:rPr lang="en-US" smtClean="0"/>
-              <a:t>10/23/2021</a:t>
+              <a:t>11/5/2021</a:t>
             </a:fld>
             <a:endParaRPr lang="en-US"/>
           </a:p>
@@ -4930,7 +5035,7 @@
           <a:p>
             <a:fld id="{0138B082-EFC2-46C1-B47C-51736C670379}" type="datetimeFigureOut">
               <a:rPr lang="en-US" smtClean="0"/>
-              <a:t>10/23/2021</a:t>
+              <a:t>11/5/2021</a:t>
             </a:fld>
             <a:endParaRPr lang="en-US"/>
           </a:p>
@@ -5688,14 +5793,11 @@
               <a:t>thrs</a:t>
             </a:r>
             <a:r>
-              <a:rPr lang="en-US" sz="6000">
+              <a:rPr lang="en-US" sz="6000" dirty="0">
                 <a:latin typeface="Aliens &amp; cows" panose="00000500000000000000" pitchFamily="2" charset="0"/>
               </a:rPr>
-              <a:t> </a:t>
-            </a:r>
-            <a:endParaRPr lang="en-US" sz="6000" dirty="0">
-              <a:latin typeface="Aliens &amp; cows" panose="00000500000000000000" pitchFamily="2" charset="0"/>
-            </a:endParaRPr>
+              <a:t> 11/18 </a:t>
+            </a:r>
           </a:p>
         </p:txBody>
       </p:sp>
@@ -6041,7 +6143,7 @@
         <p:spPr>
           <a:xfrm>
             <a:off x="324091" y="1687545"/>
-            <a:ext cx="7986531" cy="1384995"/>
+            <a:ext cx="7986531" cy="2677656"/>
           </a:xfrm>
           <a:prstGeom prst="rect">
             <a:avLst/>
@@ -6079,6 +6181,25 @@
               </a:solidFill>
               <a:latin typeface="Pragmatica" panose="020B0403040502020204" pitchFamily="34" charset="0"/>
             </a:endParaRPr>
+          </a:p>
+          <a:p>
+            <a:endParaRPr lang="en-US" sz="2800" b="1" dirty="0">
+              <a:solidFill>
+                <a:srgbClr val="707070"/>
+              </a:solidFill>
+              <a:latin typeface="Pragmatica" panose="020B0403040502020204" pitchFamily="34" charset="0"/>
+            </a:endParaRPr>
+          </a:p>
+          <a:p>
+            <a:r>
+              <a:rPr lang="en-US" sz="2800" b="1" dirty="0">
+                <a:solidFill>
+                  <a:srgbClr val="707070"/>
+                </a:solidFill>
+                <a:latin typeface="Pragmatica" panose="020B0403040502020204" pitchFamily="34" charset="0"/>
+              </a:rPr>
+              <a:t>I will follow up in two weeks when I take down the video 😎</a:t>
+            </a:r>
           </a:p>
           <a:p>
             <a:endParaRPr lang="en-US" sz="2800" b="1" dirty="0">
@@ -6693,7 +6814,7 @@
           <p:nvPr/>
         </p:nvPicPr>
         <p:blipFill rotWithShape="1">
-          <a:blip r:embed="rId2">
+          <a:blip r:embed="rId3">
             <a:extLst>
               <a:ext uri="{28A0092B-C50C-407E-A947-70E740481C1C}">
                 <a14:useLocalDpi xmlns:a14="http://schemas.microsoft.com/office/drawing/2010/main" val="0"/>
@@ -7109,7 +7230,7 @@
         <p:spPr>
           <a:xfrm>
             <a:off x="462987" y="1365813"/>
-            <a:ext cx="8387397" cy="1384995"/>
+            <a:ext cx="8387397" cy="1815882"/>
           </a:xfrm>
           <a:prstGeom prst="rect">
             <a:avLst/>
@@ -7143,7 +7264,7 @@
                 <a:latin typeface="Pragmatica" panose="020B0403040502020204" pitchFamily="34" charset="0"/>
                 <a:hlinkClick r:id="rId4"/>
               </a:rPr>
-              <a:t>https://github.com/stringfestdata/aina-getting-started</a:t>
+              <a:t>https://github.com/stringfestdata/aina-getting-started-accountants</a:t>
             </a:r>
             <a:r>
               <a:rPr lang="en-US" sz="2800" dirty="0">
@@ -7155,38 +7276,23 @@
               <a:t>  </a:t>
             </a:r>
           </a:p>
-        </p:txBody>
-      </p:sp>
-      <p:pic>
-        <p:nvPicPr>
-          <p:cNvPr id="5" name="Picture 4">
-            <a:extLst>
-              <a:ext uri="{FF2B5EF4-FFF2-40B4-BE49-F238E27FC236}">
-                <a16:creationId xmlns:a16="http://schemas.microsoft.com/office/drawing/2014/main" id="{F4BFB83D-D2B3-4340-A5CC-669A243BAA7D}"/>
-              </a:ext>
-            </a:extLst>
-          </p:cNvPr>
-          <p:cNvPicPr>
-            <a:picLocks noChangeAspect="1"/>
-          </p:cNvPicPr>
-          <p:nvPr/>
-        </p:nvPicPr>
-        <p:blipFill>
-          <a:blip r:embed="rId5"/>
-          <a:stretch>
-            <a:fillRect/>
-          </a:stretch>
-        </p:blipFill>
-        <p:spPr>
-          <a:xfrm>
-            <a:off x="3697861" y="2610170"/>
-            <a:ext cx="8494139" cy="4106258"/>
-          </a:xfrm>
-          <a:prstGeom prst="rect">
-            <a:avLst/>
-          </a:prstGeom>
-        </p:spPr>
-      </p:pic>
+          <a:p>
+            <a:pPr marL="742950" lvl="1" indent="-285750">
+              <a:buFont typeface="Arial" panose="020B0604020202020204" pitchFamily="34" charset="0"/>
+              <a:buChar char="•"/>
+            </a:pPr>
+            <a:r>
+              <a:rPr lang="en-US" sz="2800" i="1" dirty="0">
+                <a:solidFill>
+                  <a:srgbClr val="707070"/>
+                </a:solidFill>
+                <a:latin typeface="Pragmatica" panose="020B0403040502020204" pitchFamily="34" charset="0"/>
+              </a:rPr>
+              <a:t>Code &gt; Download ZIP</a:t>
+            </a:r>
+          </a:p>
+        </p:txBody>
+      </p:sp>
     </p:spTree>
     <p:extLst>
       <p:ext uri="{BB962C8B-B14F-4D97-AF65-F5344CB8AC3E}">

--- a/aina-getting-started-accountants.pptx
+++ b/aina-getting-started-accountants.pptx
@@ -1840,7 +1840,7 @@
           <a:p>
             <a:fld id="{503F064B-41F2-4661-BDF0-BFD135E9A557}" type="datetimeFigureOut">
               <a:rPr lang="en-US" smtClean="0"/>
-              <a:t>11/5/2021</a:t>
+              <a:t>11/10/2021</a:t>
             </a:fld>
             <a:endParaRPr lang="en-US"/>
           </a:p>
@@ -2733,7 +2733,7 @@
           <a:p>
             <a:fld id="{0138B082-EFC2-46C1-B47C-51736C670379}" type="datetimeFigureOut">
               <a:rPr lang="en-US" smtClean="0"/>
-              <a:t>11/5/2021</a:t>
+              <a:t>11/10/2021</a:t>
             </a:fld>
             <a:endParaRPr lang="en-US"/>
           </a:p>
@@ -2901,7 +2901,7 @@
           <a:p>
             <a:fld id="{0138B082-EFC2-46C1-B47C-51736C670379}" type="datetimeFigureOut">
               <a:rPr lang="en-US" smtClean="0"/>
-              <a:t>11/5/2021</a:t>
+              <a:t>11/10/2021</a:t>
             </a:fld>
             <a:endParaRPr lang="en-US"/>
           </a:p>
@@ -3079,7 +3079,7 @@
           <a:p>
             <a:fld id="{0138B082-EFC2-46C1-B47C-51736C670379}" type="datetimeFigureOut">
               <a:rPr lang="en-US" smtClean="0"/>
-              <a:t>11/5/2021</a:t>
+              <a:t>11/10/2021</a:t>
             </a:fld>
             <a:endParaRPr lang="en-US"/>
           </a:p>
@@ -3247,7 +3247,7 @@
           <a:p>
             <a:fld id="{0138B082-EFC2-46C1-B47C-51736C670379}" type="datetimeFigureOut">
               <a:rPr lang="en-US" smtClean="0"/>
-              <a:t>11/5/2021</a:t>
+              <a:t>11/10/2021</a:t>
             </a:fld>
             <a:endParaRPr lang="en-US"/>
           </a:p>
@@ -3492,7 +3492,7 @@
           <a:p>
             <a:fld id="{0138B082-EFC2-46C1-B47C-51736C670379}" type="datetimeFigureOut">
               <a:rPr lang="en-US" smtClean="0"/>
-              <a:t>11/5/2021</a:t>
+              <a:t>11/10/2021</a:t>
             </a:fld>
             <a:endParaRPr lang="en-US"/>
           </a:p>
@@ -3721,7 +3721,7 @@
           <a:p>
             <a:fld id="{0138B082-EFC2-46C1-B47C-51736C670379}" type="datetimeFigureOut">
               <a:rPr lang="en-US" smtClean="0"/>
-              <a:t>11/5/2021</a:t>
+              <a:t>11/10/2021</a:t>
             </a:fld>
             <a:endParaRPr lang="en-US"/>
           </a:p>
@@ -4085,7 +4085,7 @@
           <a:p>
             <a:fld id="{0138B082-EFC2-46C1-B47C-51736C670379}" type="datetimeFigureOut">
               <a:rPr lang="en-US" smtClean="0"/>
-              <a:t>11/5/2021</a:t>
+              <a:t>11/10/2021</a:t>
             </a:fld>
             <a:endParaRPr lang="en-US"/>
           </a:p>
@@ -4202,7 +4202,7 @@
           <a:p>
             <a:fld id="{0138B082-EFC2-46C1-B47C-51736C670379}" type="datetimeFigureOut">
               <a:rPr lang="en-US" smtClean="0"/>
-              <a:t>11/5/2021</a:t>
+              <a:t>11/10/2021</a:t>
             </a:fld>
             <a:endParaRPr lang="en-US"/>
           </a:p>
@@ -4297,7 +4297,7 @@
           <a:p>
             <a:fld id="{0138B082-EFC2-46C1-B47C-51736C670379}" type="datetimeFigureOut">
               <a:rPr lang="en-US" smtClean="0"/>
-              <a:t>11/5/2021</a:t>
+              <a:t>11/10/2021</a:t>
             </a:fld>
             <a:endParaRPr lang="en-US"/>
           </a:p>
@@ -4572,7 +4572,7 @@
           <a:p>
             <a:fld id="{0138B082-EFC2-46C1-B47C-51736C670379}" type="datetimeFigureOut">
               <a:rPr lang="en-US" smtClean="0"/>
-              <a:t>11/5/2021</a:t>
+              <a:t>11/10/2021</a:t>
             </a:fld>
             <a:endParaRPr lang="en-US"/>
           </a:p>
@@ -4824,7 +4824,7 @@
           <a:p>
             <a:fld id="{0138B082-EFC2-46C1-B47C-51736C670379}" type="datetimeFigureOut">
               <a:rPr lang="en-US" smtClean="0"/>
-              <a:t>11/5/2021</a:t>
+              <a:t>11/10/2021</a:t>
             </a:fld>
             <a:endParaRPr lang="en-US"/>
           </a:p>
@@ -5035,7 +5035,7 @@
           <a:p>
             <a:fld id="{0138B082-EFC2-46C1-B47C-51736C670379}" type="datetimeFigureOut">
               <a:rPr lang="en-US" smtClean="0"/>
-              <a:t>11/5/2021</a:t>
+              <a:t>11/10/2021</a:t>
             </a:fld>
             <a:endParaRPr lang="en-US"/>
           </a:p>
@@ -5424,7 +5424,7 @@
 </file>
 
 <file path=ppt/slides/slide1.xml><?xml version="1.0" encoding="utf-8"?>
-<p:sld xmlns:a="http://schemas.openxmlformats.org/drawingml/2006/main" xmlns:r="http://schemas.openxmlformats.org/officeDocument/2006/relationships" xmlns:p="http://schemas.openxmlformats.org/presentationml/2006/main">
+<p:sld xmlns:a="http://schemas.openxmlformats.org/drawingml/2006/main" xmlns:r="http://schemas.openxmlformats.org/officeDocument/2006/relationships" xmlns:p="http://schemas.openxmlformats.org/presentationml/2006/main" show="0">
   <p:cSld>
     <p:spTree>
       <p:nvGrpSpPr>
@@ -5843,7 +5843,7 @@
                 </a:solidFill>
                 <a:latin typeface="Pragmatica" panose="020B0403040502020204" pitchFamily="34" charset="0"/>
               </a:rPr>
-              <a:t>Get 20% off with promocode LEDGER </a:t>
+              <a:t>Get 10% off with promocode LEDGER </a:t>
             </a:r>
             <a:r>
               <a:rPr lang="en-US" sz="2800" b="1" dirty="0">
@@ -5853,27 +5853,17 @@
                 <a:latin typeface="Pragmatica" panose="020B0403040502020204" pitchFamily="34" charset="0"/>
                 <a:hlinkClick r:id="rId4"/>
               </a:rPr>
-              <a:t>https://swiy.io/66Oy</a:t>
-            </a:r>
-            <a:endParaRPr lang="en-US" sz="2800" b="1" dirty="0">
-              <a:solidFill>
-                <a:srgbClr val="707070"/>
-              </a:solidFill>
-              <a:latin typeface="Pragmatica" panose="020B0403040502020204" pitchFamily="34" charset="0"/>
-            </a:endParaRPr>
-          </a:p>
-          <a:p>
-            <a:pPr lvl="1">
-              <a:buClr>
-                <a:srgbClr val="CF3338"/>
-              </a:buClr>
-            </a:pPr>
-            <a:endParaRPr lang="en-US" sz="2800" b="1" dirty="0">
-              <a:solidFill>
-                <a:srgbClr val="707070"/>
-              </a:solidFill>
-              <a:latin typeface="Pragmatica" panose="020B0403040502020204" pitchFamily="34" charset="0"/>
-            </a:endParaRPr>
+              <a:t>https://social.stringfestanalytics.com/lets-learn-python</a:t>
+            </a:r>
+            <a:r>
+              <a:rPr lang="en-US" sz="2800" b="1" dirty="0">
+                <a:solidFill>
+                  <a:srgbClr val="707070"/>
+                </a:solidFill>
+                <a:latin typeface="Pragmatica" panose="020B0403040502020204" pitchFamily="34" charset="0"/>
+              </a:rPr>
+              <a:t>  </a:t>
+            </a:r>
           </a:p>
           <a:p>
             <a:pPr lvl="1">
